--- a/Backup_MA/Ausarbeitung/graphs/medSystem.pptx
+++ b/Backup_MA/Ausarbeitung/graphs/medSystem.pptx
@@ -11,6 +11,7 @@
     <p:sldId id="263" r:id="rId5"/>
     <p:sldId id="264" r:id="rId6"/>
     <p:sldId id="265" r:id="rId7"/>
+    <p:sldId id="267" r:id="rId8"/>
   </p:sldIdLst>
   <p:sldSz cx="12192000" cy="6858000"/>
   <p:notesSz cx="6858000" cy="9144000"/>
@@ -248,7 +249,7 @@
           <a:p>
             <a:fld id="{DFC90CF4-8AFF-4D03-8A58-254BE634892C}" type="datetimeFigureOut">
               <a:rPr lang="en-GB" smtClean="0"/>
-              <a:t>19/06/2017</a:t>
+              <a:t>04/07/2017</a:t>
             </a:fld>
             <a:endParaRPr lang="en-GB"/>
           </a:p>
@@ -418,7 +419,7 @@
           <a:p>
             <a:fld id="{DFC90CF4-8AFF-4D03-8A58-254BE634892C}" type="datetimeFigureOut">
               <a:rPr lang="en-GB" smtClean="0"/>
-              <a:t>19/06/2017</a:t>
+              <a:t>04/07/2017</a:t>
             </a:fld>
             <a:endParaRPr lang="en-GB"/>
           </a:p>
@@ -598,7 +599,7 @@
           <a:p>
             <a:fld id="{DFC90CF4-8AFF-4D03-8A58-254BE634892C}" type="datetimeFigureOut">
               <a:rPr lang="en-GB" smtClean="0"/>
-              <a:t>19/06/2017</a:t>
+              <a:t>04/07/2017</a:t>
             </a:fld>
             <a:endParaRPr lang="en-GB"/>
           </a:p>
@@ -768,7 +769,7 @@
           <a:p>
             <a:fld id="{DFC90CF4-8AFF-4D03-8A58-254BE634892C}" type="datetimeFigureOut">
               <a:rPr lang="en-GB" smtClean="0"/>
-              <a:t>19/06/2017</a:t>
+              <a:t>04/07/2017</a:t>
             </a:fld>
             <a:endParaRPr lang="en-GB"/>
           </a:p>
@@ -1014,7 +1015,7 @@
           <a:p>
             <a:fld id="{DFC90CF4-8AFF-4D03-8A58-254BE634892C}" type="datetimeFigureOut">
               <a:rPr lang="en-GB" smtClean="0"/>
-              <a:t>19/06/2017</a:t>
+              <a:t>04/07/2017</a:t>
             </a:fld>
             <a:endParaRPr lang="en-GB"/>
           </a:p>
@@ -1246,7 +1247,7 @@
           <a:p>
             <a:fld id="{DFC90CF4-8AFF-4D03-8A58-254BE634892C}" type="datetimeFigureOut">
               <a:rPr lang="en-GB" smtClean="0"/>
-              <a:t>19/06/2017</a:t>
+              <a:t>04/07/2017</a:t>
             </a:fld>
             <a:endParaRPr lang="en-GB"/>
           </a:p>
@@ -1613,7 +1614,7 @@
           <a:p>
             <a:fld id="{DFC90CF4-8AFF-4D03-8A58-254BE634892C}" type="datetimeFigureOut">
               <a:rPr lang="en-GB" smtClean="0"/>
-              <a:t>19/06/2017</a:t>
+              <a:t>04/07/2017</a:t>
             </a:fld>
             <a:endParaRPr lang="en-GB"/>
           </a:p>
@@ -1731,7 +1732,7 @@
           <a:p>
             <a:fld id="{DFC90CF4-8AFF-4D03-8A58-254BE634892C}" type="datetimeFigureOut">
               <a:rPr lang="en-GB" smtClean="0"/>
-              <a:t>19/06/2017</a:t>
+              <a:t>04/07/2017</a:t>
             </a:fld>
             <a:endParaRPr lang="en-GB"/>
           </a:p>
@@ -1826,7 +1827,7 @@
           <a:p>
             <a:fld id="{DFC90CF4-8AFF-4D03-8A58-254BE634892C}" type="datetimeFigureOut">
               <a:rPr lang="en-GB" smtClean="0"/>
-              <a:t>19/06/2017</a:t>
+              <a:t>04/07/2017</a:t>
             </a:fld>
             <a:endParaRPr lang="en-GB"/>
           </a:p>
@@ -2103,7 +2104,7 @@
           <a:p>
             <a:fld id="{DFC90CF4-8AFF-4D03-8A58-254BE634892C}" type="datetimeFigureOut">
               <a:rPr lang="en-GB" smtClean="0"/>
-              <a:t>19/06/2017</a:t>
+              <a:t>04/07/2017</a:t>
             </a:fld>
             <a:endParaRPr lang="en-GB"/>
           </a:p>
@@ -2356,7 +2357,7 @@
           <a:p>
             <a:fld id="{DFC90CF4-8AFF-4D03-8A58-254BE634892C}" type="datetimeFigureOut">
               <a:rPr lang="en-GB" smtClean="0"/>
-              <a:t>19/06/2017</a:t>
+              <a:t>04/07/2017</a:t>
             </a:fld>
             <a:endParaRPr lang="en-GB"/>
           </a:p>
@@ -2569,7 +2570,7 @@
           <a:p>
             <a:fld id="{DFC90CF4-8AFF-4D03-8A58-254BE634892C}" type="datetimeFigureOut">
               <a:rPr lang="en-GB" smtClean="0"/>
-              <a:t>19/06/2017</a:t>
+              <a:t>04/07/2017</a:t>
             </a:fld>
             <a:endParaRPr lang="en-GB"/>
           </a:p>
@@ -9293,13 +9294,8 @@
           <a:p>
             <a:r>
               <a:rPr lang="en-GB" dirty="0"/>
-              <a:t>Location: </a:t>
+              <a:t>Location: CZE</a:t>
             </a:r>
-            <a:r>
-              <a:rPr lang="en-GB" dirty="0"/>
-              <a:t>CZE</a:t>
-            </a:r>
-            <a:endParaRPr lang="en-GB" dirty="0"/>
           </a:p>
         </p:txBody>
       </p:sp>
@@ -15457,6 +15453,2400 @@
     <p:extLst>
       <p:ext uri="{BB962C8B-B14F-4D97-AF65-F5344CB8AC3E}">
         <p14:creationId xmlns:p14="http://schemas.microsoft.com/office/powerpoint/2010/main" val="3655603738"/>
+      </p:ext>
+    </p:extLst>
+  </p:cSld>
+  <p:clrMapOvr>
+    <a:masterClrMapping/>
+  </p:clrMapOvr>
+</p:sld>
+</file>
+
+<file path=ppt/slides/slide7.xml><?xml version="1.0" encoding="utf-8"?>
+<p:sld xmlns:a="http://schemas.openxmlformats.org/drawingml/2006/main" xmlns:r="http://schemas.openxmlformats.org/officeDocument/2006/relationships" xmlns:p="http://schemas.openxmlformats.org/presentationml/2006/main">
+  <p:cSld>
+    <p:spTree>
+      <p:nvGrpSpPr>
+        <p:cNvPr id="1" name=""/>
+        <p:cNvGrpSpPr/>
+        <p:nvPr/>
+      </p:nvGrpSpPr>
+      <p:grpSpPr>
+        <a:xfrm>
+          <a:off x="0" y="0"/>
+          <a:ext cx="0" cy="0"/>
+          <a:chOff x="0" y="0"/>
+          <a:chExt cx="0" cy="0"/>
+        </a:xfrm>
+      </p:grpSpPr>
+      <p:cxnSp>
+        <p:nvCxnSpPr>
+          <p:cNvPr id="125" name="Gerader Verbinder 124"/>
+          <p:cNvCxnSpPr>
+            <a:stCxn id="13" idx="3"/>
+            <a:endCxn id="112" idx="1"/>
+          </p:cNvCxnSpPr>
+          <p:nvPr/>
+        </p:nvCxnSpPr>
+        <p:spPr>
+          <a:xfrm flipV="1">
+            <a:off x="6400818" y="3315970"/>
+            <a:ext cx="1285150" cy="5549"/>
+          </a:xfrm>
+          <a:prstGeom prst="line">
+            <a:avLst/>
+          </a:prstGeom>
+          <a:ln w="25400">
+            <a:solidFill>
+              <a:srgbClr val="92D050"/>
+            </a:solidFill>
+          </a:ln>
+        </p:spPr>
+        <p:style>
+          <a:lnRef idx="1">
+            <a:schemeClr val="accent1"/>
+          </a:lnRef>
+          <a:fillRef idx="0">
+            <a:schemeClr val="accent1"/>
+          </a:fillRef>
+          <a:effectRef idx="0">
+            <a:schemeClr val="accent1"/>
+          </a:effectRef>
+          <a:fontRef idx="minor">
+            <a:schemeClr val="tx1"/>
+          </a:fontRef>
+        </p:style>
+      </p:cxnSp>
+      <p:cxnSp>
+        <p:nvCxnSpPr>
+          <p:cNvPr id="148" name="Gerader Verbinder 147"/>
+          <p:cNvCxnSpPr/>
+          <p:nvPr/>
+        </p:nvCxnSpPr>
+        <p:spPr>
+          <a:xfrm flipV="1">
+            <a:off x="2857278" y="3793461"/>
+            <a:ext cx="1263990" cy="930749"/>
+          </a:xfrm>
+          <a:prstGeom prst="line">
+            <a:avLst/>
+          </a:prstGeom>
+          <a:ln w="25400">
+            <a:solidFill>
+              <a:schemeClr val="accent2"/>
+            </a:solidFill>
+          </a:ln>
+        </p:spPr>
+        <p:style>
+          <a:lnRef idx="1">
+            <a:schemeClr val="accent1"/>
+          </a:lnRef>
+          <a:fillRef idx="0">
+            <a:schemeClr val="accent1"/>
+          </a:fillRef>
+          <a:effectRef idx="0">
+            <a:schemeClr val="accent1"/>
+          </a:effectRef>
+          <a:fontRef idx="minor">
+            <a:schemeClr val="tx1"/>
+          </a:fontRef>
+        </p:style>
+      </p:cxnSp>
+      <p:cxnSp>
+        <p:nvCxnSpPr>
+          <p:cNvPr id="134" name="Gerader Verbinder 133"/>
+          <p:cNvCxnSpPr/>
+          <p:nvPr/>
+        </p:nvCxnSpPr>
+        <p:spPr>
+          <a:xfrm>
+            <a:off x="2837168" y="3388973"/>
+            <a:ext cx="1299551" cy="7005"/>
+          </a:xfrm>
+          <a:prstGeom prst="line">
+            <a:avLst/>
+          </a:prstGeom>
+          <a:ln w="25400">
+            <a:solidFill>
+              <a:srgbClr val="92D050"/>
+            </a:solidFill>
+          </a:ln>
+        </p:spPr>
+        <p:style>
+          <a:lnRef idx="1">
+            <a:schemeClr val="accent1"/>
+          </a:lnRef>
+          <a:fillRef idx="0">
+            <a:schemeClr val="accent1"/>
+          </a:fillRef>
+          <a:effectRef idx="0">
+            <a:schemeClr val="accent1"/>
+          </a:effectRef>
+          <a:fontRef idx="minor">
+            <a:schemeClr val="tx1"/>
+          </a:fontRef>
+        </p:style>
+      </p:cxnSp>
+      <p:cxnSp>
+        <p:nvCxnSpPr>
+          <p:cNvPr id="133" name="Gerader Verbinder 132"/>
+          <p:cNvCxnSpPr/>
+          <p:nvPr/>
+        </p:nvCxnSpPr>
+        <p:spPr>
+          <a:xfrm>
+            <a:off x="6401678" y="1786139"/>
+            <a:ext cx="1299551" cy="7005"/>
+          </a:xfrm>
+          <a:prstGeom prst="line">
+            <a:avLst/>
+          </a:prstGeom>
+          <a:ln w="25400">
+            <a:solidFill>
+              <a:srgbClr val="92D050"/>
+            </a:solidFill>
+          </a:ln>
+        </p:spPr>
+        <p:style>
+          <a:lnRef idx="1">
+            <a:schemeClr val="accent1"/>
+          </a:lnRef>
+          <a:fillRef idx="0">
+            <a:schemeClr val="accent1"/>
+          </a:fillRef>
+          <a:effectRef idx="0">
+            <a:schemeClr val="accent1"/>
+          </a:effectRef>
+          <a:fontRef idx="minor">
+            <a:schemeClr val="tx1"/>
+          </a:fontRef>
+        </p:style>
+      </p:cxnSp>
+      <p:cxnSp>
+        <p:nvCxnSpPr>
+          <p:cNvPr id="119" name="Gerader Verbinder 118"/>
+          <p:cNvCxnSpPr>
+            <a:stCxn id="87" idx="0"/>
+            <a:endCxn id="112" idx="2"/>
+          </p:cNvCxnSpPr>
+          <p:nvPr/>
+        </p:nvCxnSpPr>
+        <p:spPr>
+          <a:xfrm flipH="1" flipV="1">
+            <a:off x="8831537" y="3796228"/>
+            <a:ext cx="11616" cy="917973"/>
+          </a:xfrm>
+          <a:prstGeom prst="line">
+            <a:avLst/>
+          </a:prstGeom>
+          <a:ln w="25400">
+            <a:solidFill>
+              <a:schemeClr val="accent2"/>
+            </a:solidFill>
+          </a:ln>
+        </p:spPr>
+        <p:style>
+          <a:lnRef idx="1">
+            <a:schemeClr val="accent1"/>
+          </a:lnRef>
+          <a:fillRef idx="0">
+            <a:schemeClr val="accent1"/>
+          </a:fillRef>
+          <a:effectRef idx="0">
+            <a:schemeClr val="accent1"/>
+          </a:effectRef>
+          <a:fontRef idx="minor">
+            <a:schemeClr val="tx1"/>
+          </a:fontRef>
+        </p:style>
+      </p:cxnSp>
+      <p:cxnSp>
+        <p:nvCxnSpPr>
+          <p:cNvPr id="116" name="Gerader Verbinder 115"/>
+          <p:cNvCxnSpPr>
+            <a:endCxn id="87" idx="1"/>
+          </p:cNvCxnSpPr>
+          <p:nvPr/>
+        </p:nvCxnSpPr>
+        <p:spPr>
+          <a:xfrm>
+            <a:off x="6405226" y="5188910"/>
+            <a:ext cx="1292358" cy="5550"/>
+          </a:xfrm>
+          <a:prstGeom prst="line">
+            <a:avLst/>
+          </a:prstGeom>
+          <a:ln w="25400">
+            <a:solidFill>
+              <a:schemeClr val="accent2"/>
+            </a:solidFill>
+          </a:ln>
+        </p:spPr>
+        <p:style>
+          <a:lnRef idx="1">
+            <a:schemeClr val="accent1"/>
+          </a:lnRef>
+          <a:fillRef idx="0">
+            <a:schemeClr val="accent1"/>
+          </a:fillRef>
+          <a:effectRef idx="0">
+            <a:schemeClr val="accent1"/>
+          </a:effectRef>
+          <a:fontRef idx="minor">
+            <a:schemeClr val="tx1"/>
+          </a:fontRef>
+        </p:style>
+      </p:cxnSp>
+      <p:cxnSp>
+        <p:nvCxnSpPr>
+          <p:cNvPr id="128" name="Gerader Verbinder 127"/>
+          <p:cNvCxnSpPr/>
+          <p:nvPr/>
+        </p:nvCxnSpPr>
+        <p:spPr>
+          <a:xfrm>
+            <a:off x="6405226" y="5360136"/>
+            <a:ext cx="1299551" cy="7005"/>
+          </a:xfrm>
+          <a:prstGeom prst="line">
+            <a:avLst/>
+          </a:prstGeom>
+          <a:ln w="25400">
+            <a:solidFill>
+              <a:srgbClr val="92D050"/>
+            </a:solidFill>
+          </a:ln>
+        </p:spPr>
+        <p:style>
+          <a:lnRef idx="1">
+            <a:schemeClr val="accent1"/>
+          </a:lnRef>
+          <a:fillRef idx="0">
+            <a:schemeClr val="accent1"/>
+          </a:fillRef>
+          <a:effectRef idx="0">
+            <a:schemeClr val="accent1"/>
+          </a:effectRef>
+          <a:fontRef idx="minor">
+            <a:schemeClr val="tx1"/>
+          </a:fontRef>
+        </p:style>
+      </p:cxnSp>
+      <p:cxnSp>
+        <p:nvCxnSpPr>
+          <p:cNvPr id="121" name="Gerader Verbinder 120"/>
+          <p:cNvCxnSpPr/>
+          <p:nvPr/>
+        </p:nvCxnSpPr>
+        <p:spPr>
+          <a:xfrm flipV="1">
+            <a:off x="2832481" y="2088181"/>
+            <a:ext cx="1301366" cy="756156"/>
+          </a:xfrm>
+          <a:prstGeom prst="line">
+            <a:avLst/>
+          </a:prstGeom>
+          <a:ln w="25400">
+            <a:solidFill>
+              <a:schemeClr val="accent2"/>
+            </a:solidFill>
+          </a:ln>
+        </p:spPr>
+        <p:style>
+          <a:lnRef idx="1">
+            <a:schemeClr val="accent1"/>
+          </a:lnRef>
+          <a:fillRef idx="0">
+            <a:schemeClr val="accent1"/>
+          </a:fillRef>
+          <a:effectRef idx="0">
+            <a:schemeClr val="accent1"/>
+          </a:effectRef>
+          <a:fontRef idx="minor">
+            <a:schemeClr val="tx1"/>
+          </a:fontRef>
+        </p:style>
+      </p:cxnSp>
+      <p:cxnSp>
+        <p:nvCxnSpPr>
+          <p:cNvPr id="123" name="Gerader Verbinder 122"/>
+          <p:cNvCxnSpPr/>
+          <p:nvPr/>
+        </p:nvCxnSpPr>
+        <p:spPr>
+          <a:xfrm flipV="1">
+            <a:off x="6400754" y="2077455"/>
+            <a:ext cx="1304023" cy="784827"/>
+          </a:xfrm>
+          <a:prstGeom prst="line">
+            <a:avLst/>
+          </a:prstGeom>
+          <a:ln w="25400">
+            <a:solidFill>
+              <a:schemeClr val="accent2"/>
+            </a:solidFill>
+          </a:ln>
+        </p:spPr>
+        <p:style>
+          <a:lnRef idx="1">
+            <a:schemeClr val="accent1"/>
+          </a:lnRef>
+          <a:fillRef idx="0">
+            <a:schemeClr val="accent1"/>
+          </a:fillRef>
+          <a:effectRef idx="0">
+            <a:schemeClr val="accent1"/>
+          </a:effectRef>
+          <a:fontRef idx="minor">
+            <a:schemeClr val="tx1"/>
+          </a:fontRef>
+        </p:style>
+      </p:cxnSp>
+      <p:cxnSp>
+        <p:nvCxnSpPr>
+          <p:cNvPr id="3" name="Gerader Verbinder 2"/>
+          <p:cNvCxnSpPr>
+            <a:stCxn id="67" idx="3"/>
+            <a:endCxn id="74" idx="1"/>
+          </p:cNvCxnSpPr>
+          <p:nvPr/>
+        </p:nvCxnSpPr>
+        <p:spPr>
+          <a:xfrm flipV="1">
+            <a:off x="6405226" y="1605520"/>
+            <a:ext cx="1280742" cy="243"/>
+          </a:xfrm>
+          <a:prstGeom prst="line">
+            <a:avLst/>
+          </a:prstGeom>
+          <a:ln w="25400">
+            <a:solidFill>
+              <a:schemeClr val="accent2"/>
+            </a:solidFill>
+          </a:ln>
+        </p:spPr>
+        <p:style>
+          <a:lnRef idx="1">
+            <a:schemeClr val="accent1"/>
+          </a:lnRef>
+          <a:fillRef idx="0">
+            <a:schemeClr val="accent1"/>
+          </a:fillRef>
+          <a:effectRef idx="0">
+            <a:schemeClr val="accent1"/>
+          </a:effectRef>
+          <a:fontRef idx="minor">
+            <a:schemeClr val="tx1"/>
+          </a:fontRef>
+        </p:style>
+      </p:cxnSp>
+      <p:cxnSp>
+        <p:nvCxnSpPr>
+          <p:cNvPr id="55" name="Gerader Verbinder 54"/>
+          <p:cNvCxnSpPr/>
+          <p:nvPr/>
+        </p:nvCxnSpPr>
+        <p:spPr>
+          <a:xfrm>
+            <a:off x="2834649" y="3198280"/>
+            <a:ext cx="1287669" cy="0"/>
+          </a:xfrm>
+          <a:prstGeom prst="line">
+            <a:avLst/>
+          </a:prstGeom>
+          <a:ln w="25400">
+            <a:solidFill>
+              <a:srgbClr val="FF0000"/>
+            </a:solidFill>
+          </a:ln>
+        </p:spPr>
+        <p:style>
+          <a:lnRef idx="1">
+            <a:schemeClr val="accent1"/>
+          </a:lnRef>
+          <a:fillRef idx="0">
+            <a:schemeClr val="accent1"/>
+          </a:fillRef>
+          <a:effectRef idx="0">
+            <a:schemeClr val="accent1"/>
+          </a:effectRef>
+          <a:fontRef idx="minor">
+            <a:schemeClr val="tx1"/>
+          </a:fontRef>
+        </p:style>
+      </p:cxnSp>
+      <p:grpSp>
+        <p:nvGrpSpPr>
+          <p:cNvPr id="7" name="Gruppieren 6"/>
+          <p:cNvGrpSpPr/>
+          <p:nvPr/>
+        </p:nvGrpSpPr>
+        <p:grpSpPr>
+          <a:xfrm>
+            <a:off x="3357410" y="365984"/>
+            <a:ext cx="5373722" cy="371803"/>
+            <a:chOff x="3398803" y="5118223"/>
+            <a:chExt cx="5373722" cy="371803"/>
+          </a:xfrm>
+        </p:grpSpPr>
+        <p:cxnSp>
+          <p:nvCxnSpPr>
+            <p:cNvPr id="61" name="Gerader Verbinder 60"/>
+            <p:cNvCxnSpPr/>
+            <p:nvPr/>
+          </p:nvCxnSpPr>
+          <p:spPr>
+            <a:xfrm flipV="1">
+              <a:off x="4296684" y="5299872"/>
+              <a:ext cx="197281" cy="713"/>
+            </a:xfrm>
+            <a:prstGeom prst="line">
+              <a:avLst/>
+            </a:prstGeom>
+            <a:ln w="25400">
+              <a:solidFill>
+                <a:srgbClr val="FF0000"/>
+              </a:solidFill>
+            </a:ln>
+          </p:spPr>
+          <p:style>
+            <a:lnRef idx="1">
+              <a:schemeClr val="accent1"/>
+            </a:lnRef>
+            <a:fillRef idx="0">
+              <a:schemeClr val="accent1"/>
+            </a:fillRef>
+            <a:effectRef idx="0">
+              <a:schemeClr val="accent1"/>
+            </a:effectRef>
+            <a:fontRef idx="minor">
+              <a:schemeClr val="tx1"/>
+            </a:fontRef>
+          </p:style>
+        </p:cxnSp>
+        <p:sp>
+          <p:nvSpPr>
+            <p:cNvPr id="68" name="Textfeld 67"/>
+            <p:cNvSpPr txBox="1"/>
+            <p:nvPr/>
+          </p:nvSpPr>
+          <p:spPr>
+            <a:xfrm>
+              <a:off x="4395325" y="5120694"/>
+              <a:ext cx="4377200" cy="369332"/>
+            </a:xfrm>
+            <a:prstGeom prst="rect">
+              <a:avLst/>
+            </a:prstGeom>
+            <a:noFill/>
+          </p:spPr>
+          <p:txBody>
+            <a:bodyPr wrap="square" rtlCol="0">
+              <a:spAutoFit/>
+            </a:bodyPr>
+            <a:lstStyle/>
+            <a:p>
+              <a:pPr defTabSz="955675"/>
+              <a:r>
+                <a:rPr lang="en-GB" dirty="0"/>
+                <a:t> Personal	    Depersonalized	 Anonymized </a:t>
+              </a:r>
+            </a:p>
+          </p:txBody>
+        </p:sp>
+        <p:cxnSp>
+          <p:nvCxnSpPr>
+            <p:cNvPr id="78" name="Gerader Verbinder 77"/>
+            <p:cNvCxnSpPr/>
+            <p:nvPr/>
+          </p:nvCxnSpPr>
+          <p:spPr>
+            <a:xfrm flipV="1">
+              <a:off x="5446203" y="5299872"/>
+              <a:ext cx="197281" cy="713"/>
+            </a:xfrm>
+            <a:prstGeom prst="line">
+              <a:avLst/>
+            </a:prstGeom>
+            <a:ln w="25400">
+              <a:solidFill>
+                <a:schemeClr val="accent2"/>
+              </a:solidFill>
+            </a:ln>
+          </p:spPr>
+          <p:style>
+            <a:lnRef idx="1">
+              <a:schemeClr val="accent1"/>
+            </a:lnRef>
+            <a:fillRef idx="0">
+              <a:schemeClr val="accent1"/>
+            </a:fillRef>
+            <a:effectRef idx="0">
+              <a:schemeClr val="accent1"/>
+            </a:effectRef>
+            <a:fontRef idx="minor">
+              <a:schemeClr val="tx1"/>
+            </a:fontRef>
+          </p:style>
+        </p:cxnSp>
+        <p:cxnSp>
+          <p:nvCxnSpPr>
+            <p:cNvPr id="79" name="Gerader Verbinder 78"/>
+            <p:cNvCxnSpPr/>
+            <p:nvPr/>
+          </p:nvCxnSpPr>
+          <p:spPr>
+            <a:xfrm flipV="1">
+              <a:off x="7197222" y="5299872"/>
+              <a:ext cx="197281" cy="713"/>
+            </a:xfrm>
+            <a:prstGeom prst="line">
+              <a:avLst/>
+            </a:prstGeom>
+            <a:ln w="25400">
+              <a:solidFill>
+                <a:srgbClr val="92D050"/>
+              </a:solidFill>
+            </a:ln>
+          </p:spPr>
+          <p:style>
+            <a:lnRef idx="1">
+              <a:schemeClr val="accent1"/>
+            </a:lnRef>
+            <a:fillRef idx="0">
+              <a:schemeClr val="accent1"/>
+            </a:fillRef>
+            <a:effectRef idx="0">
+              <a:schemeClr val="accent1"/>
+            </a:effectRef>
+            <a:fontRef idx="minor">
+              <a:schemeClr val="tx1"/>
+            </a:fontRef>
+          </p:style>
+        </p:cxnSp>
+        <p:sp>
+          <p:nvSpPr>
+            <p:cNvPr id="80" name="Textfeld 79"/>
+            <p:cNvSpPr txBox="1"/>
+            <p:nvPr/>
+          </p:nvSpPr>
+          <p:spPr>
+            <a:xfrm>
+              <a:off x="3398803" y="5118223"/>
+              <a:ext cx="947201" cy="369332"/>
+            </a:xfrm>
+            <a:prstGeom prst="rect">
+              <a:avLst/>
+            </a:prstGeom>
+            <a:noFill/>
+          </p:spPr>
+          <p:txBody>
+            <a:bodyPr wrap="square" rtlCol="0">
+              <a:spAutoFit/>
+            </a:bodyPr>
+            <a:lstStyle/>
+            <a:p>
+              <a:r>
+                <a:rPr lang="en-GB" b="1" u="sng" dirty="0"/>
+                <a:t>Legend:</a:t>
+              </a:r>
+            </a:p>
+          </p:txBody>
+        </p:sp>
+      </p:grpSp>
+      <p:grpSp>
+        <p:nvGrpSpPr>
+          <p:cNvPr id="2" name="Gruppieren 1"/>
+          <p:cNvGrpSpPr/>
+          <p:nvPr/>
+        </p:nvGrpSpPr>
+        <p:grpSpPr>
+          <a:xfrm>
+            <a:off x="573069" y="2830777"/>
+            <a:ext cx="2282908" cy="971000"/>
+            <a:chOff x="1769430" y="2020662"/>
+            <a:chExt cx="2005581" cy="971000"/>
+          </a:xfrm>
+        </p:grpSpPr>
+        <p:grpSp>
+          <p:nvGrpSpPr>
+            <p:cNvPr id="28" name="Gruppieren 27"/>
+            <p:cNvGrpSpPr/>
+            <p:nvPr/>
+          </p:nvGrpSpPr>
+          <p:grpSpPr>
+            <a:xfrm>
+              <a:off x="1769430" y="2020905"/>
+              <a:ext cx="1986844" cy="960517"/>
+              <a:chOff x="3093156" y="1613350"/>
+              <a:chExt cx="1986844" cy="960517"/>
+            </a:xfrm>
+          </p:grpSpPr>
+          <p:sp>
+            <p:nvSpPr>
+              <p:cNvPr id="29" name="Rechteck 28"/>
+              <p:cNvSpPr/>
+              <p:nvPr/>
+            </p:nvSpPr>
+            <p:spPr>
+              <a:xfrm>
+                <a:off x="3093156" y="1613350"/>
+                <a:ext cx="1986844" cy="960517"/>
+              </a:xfrm>
+              <a:prstGeom prst="rect">
+                <a:avLst/>
+              </a:prstGeom>
+              <a:noFill/>
+              <a:ln w="25400">
+                <a:solidFill>
+                  <a:schemeClr val="tx1">
+                    <a:lumMod val="65000"/>
+                    <a:lumOff val="35000"/>
+                  </a:schemeClr>
+                </a:solidFill>
+              </a:ln>
+            </p:spPr>
+            <p:style>
+              <a:lnRef idx="2">
+                <a:schemeClr val="accent1">
+                  <a:shade val="50000"/>
+                </a:schemeClr>
+              </a:lnRef>
+              <a:fillRef idx="1">
+                <a:schemeClr val="accent1"/>
+              </a:fillRef>
+              <a:effectRef idx="0">
+                <a:schemeClr val="accent1"/>
+              </a:effectRef>
+              <a:fontRef idx="minor">
+                <a:schemeClr val="lt1"/>
+              </a:fontRef>
+            </p:style>
+            <p:txBody>
+              <a:bodyPr rtlCol="0" anchor="ctr"/>
+              <a:lstStyle/>
+              <a:p>
+                <a:pPr algn="ctr"/>
+                <a:endParaRPr lang="en-GB"/>
+              </a:p>
+            </p:txBody>
+          </p:sp>
+          <p:pic>
+            <p:nvPicPr>
+              <p:cNvPr id="30" name="Grafik 29"/>
+              <p:cNvPicPr>
+                <a:picLocks noChangeAspect="1"/>
+              </p:cNvPicPr>
+              <p:nvPr/>
+            </p:nvPicPr>
+            <p:blipFill>
+              <a:blip r:embed="rId2"/>
+              <a:stretch>
+                <a:fillRect/>
+              </a:stretch>
+            </p:blipFill>
+            <p:spPr>
+              <a:xfrm>
+                <a:off x="4772335" y="1639921"/>
+                <a:ext cx="271896" cy="340689"/>
+              </a:xfrm>
+              <a:prstGeom prst="rect">
+                <a:avLst/>
+              </a:prstGeom>
+            </p:spPr>
+          </p:pic>
+        </p:grpSp>
+        <p:sp>
+          <p:nvSpPr>
+            <p:cNvPr id="31" name="Textfeld 30"/>
+            <p:cNvSpPr txBox="1"/>
+            <p:nvPr/>
+          </p:nvSpPr>
+          <p:spPr>
+            <a:xfrm>
+              <a:off x="1769430" y="2020662"/>
+              <a:ext cx="1986844" cy="369332"/>
+            </a:xfrm>
+            <a:prstGeom prst="rect">
+              <a:avLst/>
+            </a:prstGeom>
+            <a:noFill/>
+          </p:spPr>
+          <p:txBody>
+            <a:bodyPr wrap="square" rtlCol="0">
+              <a:spAutoFit/>
+            </a:bodyPr>
+            <a:lstStyle/>
+            <a:p>
+              <a:r>
+                <a:rPr lang="en-GB" b="1" u="sng" dirty="0" err="1"/>
+                <a:t>OnlineServices</a:t>
+              </a:r>
+              <a:endParaRPr lang="en-GB" b="1" u="sng" dirty="0"/>
+            </a:p>
+          </p:txBody>
+        </p:sp>
+        <p:sp>
+          <p:nvSpPr>
+            <p:cNvPr id="81" name="Rechteck 80"/>
+            <p:cNvSpPr/>
+            <p:nvPr/>
+          </p:nvSpPr>
+          <p:spPr>
+            <a:xfrm>
+              <a:off x="1769430" y="2622330"/>
+              <a:ext cx="2005581" cy="369332"/>
+            </a:xfrm>
+            <a:prstGeom prst="rect">
+              <a:avLst/>
+            </a:prstGeom>
+          </p:spPr>
+          <p:txBody>
+            <a:bodyPr wrap="square">
+              <a:spAutoFit/>
+            </a:bodyPr>
+            <a:lstStyle/>
+            <a:p>
+              <a:pPr algn="r"/>
+              <a:r>
+                <a:rPr lang="en-GB" dirty="0">
+                  <a:solidFill>
+                    <a:srgbClr val="FF0000"/>
+                  </a:solidFill>
+                </a:rPr>
+                <a:t>Personal</a:t>
+              </a:r>
+            </a:p>
+          </p:txBody>
+        </p:sp>
+      </p:grpSp>
+      <p:grpSp>
+        <p:nvGrpSpPr>
+          <p:cNvPr id="4" name="Gruppieren 3"/>
+          <p:cNvGrpSpPr/>
+          <p:nvPr/>
+        </p:nvGrpSpPr>
+        <p:grpSpPr>
+          <a:xfrm>
+            <a:off x="4122318" y="2841260"/>
+            <a:ext cx="2282908" cy="960517"/>
+            <a:chOff x="5096595" y="2020905"/>
+            <a:chExt cx="1990688" cy="960517"/>
+          </a:xfrm>
+        </p:grpSpPr>
+        <p:grpSp>
+          <p:nvGrpSpPr>
+            <p:cNvPr id="15" name="Gruppieren 14"/>
+            <p:cNvGrpSpPr/>
+            <p:nvPr/>
+          </p:nvGrpSpPr>
+          <p:grpSpPr>
+            <a:xfrm>
+              <a:off x="5096595" y="2020905"/>
+              <a:ext cx="1986844" cy="960517"/>
+              <a:chOff x="3093156" y="1613350"/>
+              <a:chExt cx="1986844" cy="960517"/>
+            </a:xfrm>
+          </p:grpSpPr>
+          <p:sp>
+            <p:nvSpPr>
+              <p:cNvPr id="13" name="Rechteck 12"/>
+              <p:cNvSpPr/>
+              <p:nvPr/>
+            </p:nvSpPr>
+            <p:spPr>
+              <a:xfrm>
+                <a:off x="3093156" y="1613350"/>
+                <a:ext cx="1986844" cy="960517"/>
+              </a:xfrm>
+              <a:prstGeom prst="rect">
+                <a:avLst/>
+              </a:prstGeom>
+              <a:noFill/>
+              <a:ln w="25400">
+                <a:solidFill>
+                  <a:schemeClr val="tx1">
+                    <a:lumMod val="65000"/>
+                    <a:lumOff val="35000"/>
+                  </a:schemeClr>
+                </a:solidFill>
+              </a:ln>
+            </p:spPr>
+            <p:style>
+              <a:lnRef idx="2">
+                <a:schemeClr val="accent1">
+                  <a:shade val="50000"/>
+                </a:schemeClr>
+              </a:lnRef>
+              <a:fillRef idx="1">
+                <a:schemeClr val="accent1"/>
+              </a:fillRef>
+              <a:effectRef idx="0">
+                <a:schemeClr val="accent1"/>
+              </a:effectRef>
+              <a:fontRef idx="minor">
+                <a:schemeClr val="lt1"/>
+              </a:fontRef>
+            </p:style>
+            <p:txBody>
+              <a:bodyPr rtlCol="0" anchor="ctr"/>
+              <a:lstStyle/>
+              <a:p>
+                <a:pPr algn="ctr"/>
+                <a:endParaRPr lang="en-GB"/>
+              </a:p>
+            </p:txBody>
+          </p:sp>
+          <p:pic>
+            <p:nvPicPr>
+              <p:cNvPr id="8" name="Grafik 7"/>
+              <p:cNvPicPr>
+                <a:picLocks noChangeAspect="1"/>
+              </p:cNvPicPr>
+              <p:nvPr/>
+            </p:nvPicPr>
+            <p:blipFill>
+              <a:blip r:embed="rId2"/>
+              <a:stretch>
+                <a:fillRect/>
+              </a:stretch>
+            </p:blipFill>
+            <p:spPr>
+              <a:xfrm>
+                <a:off x="4772335" y="1639921"/>
+                <a:ext cx="271896" cy="340689"/>
+              </a:xfrm>
+              <a:prstGeom prst="rect">
+                <a:avLst/>
+              </a:prstGeom>
+            </p:spPr>
+          </p:pic>
+        </p:grpSp>
+        <p:sp>
+          <p:nvSpPr>
+            <p:cNvPr id="14" name="Textfeld 13"/>
+            <p:cNvSpPr txBox="1"/>
+            <p:nvPr/>
+          </p:nvSpPr>
+          <p:spPr>
+            <a:xfrm>
+              <a:off x="5096595" y="2030914"/>
+              <a:ext cx="1986844" cy="369332"/>
+            </a:xfrm>
+            <a:prstGeom prst="rect">
+              <a:avLst/>
+            </a:prstGeom>
+            <a:noFill/>
+          </p:spPr>
+          <p:txBody>
+            <a:bodyPr wrap="square" rtlCol="0">
+              <a:spAutoFit/>
+            </a:bodyPr>
+            <a:lstStyle/>
+            <a:p>
+              <a:r>
+                <a:rPr lang="en-GB" b="1" u="sng" dirty="0" err="1"/>
+                <a:t>DataManager</a:t>
+              </a:r>
+              <a:endParaRPr lang="en-GB" b="1" u="sng" dirty="0"/>
+            </a:p>
+          </p:txBody>
+        </p:sp>
+        <p:sp>
+          <p:nvSpPr>
+            <p:cNvPr id="82" name="Rechteck 81"/>
+            <p:cNvSpPr/>
+            <p:nvPr/>
+          </p:nvSpPr>
+          <p:spPr>
+            <a:xfrm>
+              <a:off x="5106668" y="2606541"/>
+              <a:ext cx="1980615" cy="369332"/>
+            </a:xfrm>
+            <a:prstGeom prst="rect">
+              <a:avLst/>
+            </a:prstGeom>
+          </p:spPr>
+          <p:txBody>
+            <a:bodyPr wrap="square">
+              <a:spAutoFit/>
+            </a:bodyPr>
+            <a:lstStyle/>
+            <a:p>
+              <a:pPr algn="r"/>
+              <a:r>
+                <a:rPr lang="en-GB" dirty="0">
+                  <a:solidFill>
+                    <a:srgbClr val="FF0000"/>
+                  </a:solidFill>
+                </a:rPr>
+                <a:t>Personal</a:t>
+              </a:r>
+            </a:p>
+          </p:txBody>
+        </p:sp>
+      </p:grpSp>
+      <p:grpSp>
+        <p:nvGrpSpPr>
+          <p:cNvPr id="57" name="Gruppieren 56"/>
+          <p:cNvGrpSpPr/>
+          <p:nvPr/>
+        </p:nvGrpSpPr>
+        <p:grpSpPr>
+          <a:xfrm>
+            <a:off x="4122318" y="1125261"/>
+            <a:ext cx="2304437" cy="971000"/>
+            <a:chOff x="1769430" y="2020662"/>
+            <a:chExt cx="2005581" cy="971000"/>
+          </a:xfrm>
+        </p:grpSpPr>
+        <p:grpSp>
+          <p:nvGrpSpPr>
+            <p:cNvPr id="64" name="Gruppieren 63"/>
+            <p:cNvGrpSpPr/>
+            <p:nvPr/>
+          </p:nvGrpSpPr>
+          <p:grpSpPr>
+            <a:xfrm>
+              <a:off x="1769430" y="2020905"/>
+              <a:ext cx="1986844" cy="960517"/>
+              <a:chOff x="3093156" y="1613350"/>
+              <a:chExt cx="1986844" cy="960517"/>
+            </a:xfrm>
+          </p:grpSpPr>
+          <p:sp>
+            <p:nvSpPr>
+              <p:cNvPr id="67" name="Rechteck 66"/>
+              <p:cNvSpPr/>
+              <p:nvPr/>
+            </p:nvSpPr>
+            <p:spPr>
+              <a:xfrm>
+                <a:off x="3093156" y="1613350"/>
+                <a:ext cx="1986844" cy="960517"/>
+              </a:xfrm>
+              <a:prstGeom prst="rect">
+                <a:avLst/>
+              </a:prstGeom>
+              <a:noFill/>
+              <a:ln w="25400">
+                <a:solidFill>
+                  <a:schemeClr val="tx1">
+                    <a:lumMod val="65000"/>
+                    <a:lumOff val="35000"/>
+                  </a:schemeClr>
+                </a:solidFill>
+              </a:ln>
+            </p:spPr>
+            <p:style>
+              <a:lnRef idx="2">
+                <a:schemeClr val="accent1">
+                  <a:shade val="50000"/>
+                </a:schemeClr>
+              </a:lnRef>
+              <a:fillRef idx="1">
+                <a:schemeClr val="accent1"/>
+              </a:fillRef>
+              <a:effectRef idx="0">
+                <a:schemeClr val="accent1"/>
+              </a:effectRef>
+              <a:fontRef idx="minor">
+                <a:schemeClr val="lt1"/>
+              </a:fontRef>
+            </p:style>
+            <p:txBody>
+              <a:bodyPr rtlCol="0" anchor="ctr"/>
+              <a:lstStyle/>
+              <a:p>
+                <a:pPr algn="ctr"/>
+                <a:endParaRPr lang="en-GB"/>
+              </a:p>
+            </p:txBody>
+          </p:sp>
+          <p:pic>
+            <p:nvPicPr>
+              <p:cNvPr id="69" name="Grafik 68"/>
+              <p:cNvPicPr>
+                <a:picLocks noChangeAspect="1"/>
+              </p:cNvPicPr>
+              <p:nvPr/>
+            </p:nvPicPr>
+            <p:blipFill>
+              <a:blip r:embed="rId2"/>
+              <a:stretch>
+                <a:fillRect/>
+              </a:stretch>
+            </p:blipFill>
+            <p:spPr>
+              <a:xfrm>
+                <a:off x="4772335" y="1639921"/>
+                <a:ext cx="271896" cy="340689"/>
+              </a:xfrm>
+              <a:prstGeom prst="rect">
+                <a:avLst/>
+              </a:prstGeom>
+            </p:spPr>
+          </p:pic>
+        </p:grpSp>
+        <p:sp>
+          <p:nvSpPr>
+            <p:cNvPr id="65" name="Textfeld 64"/>
+            <p:cNvSpPr txBox="1"/>
+            <p:nvPr/>
+          </p:nvSpPr>
+          <p:spPr>
+            <a:xfrm>
+              <a:off x="1769430" y="2020662"/>
+              <a:ext cx="1986844" cy="369332"/>
+            </a:xfrm>
+            <a:prstGeom prst="rect">
+              <a:avLst/>
+            </a:prstGeom>
+            <a:noFill/>
+          </p:spPr>
+          <p:txBody>
+            <a:bodyPr wrap="square" rtlCol="0">
+              <a:spAutoFit/>
+            </a:bodyPr>
+            <a:lstStyle/>
+            <a:p>
+              <a:r>
+                <a:rPr lang="en-GB" b="1" u="sng" dirty="0" err="1"/>
+                <a:t>AccountingService</a:t>
+              </a:r>
+              <a:endParaRPr lang="en-GB" b="1" u="sng" dirty="0"/>
+            </a:p>
+          </p:txBody>
+        </p:sp>
+        <p:sp>
+          <p:nvSpPr>
+            <p:cNvPr id="66" name="Rechteck 65"/>
+            <p:cNvSpPr/>
+            <p:nvPr/>
+          </p:nvSpPr>
+          <p:spPr>
+            <a:xfrm>
+              <a:off x="1769430" y="2622330"/>
+              <a:ext cx="2005581" cy="369332"/>
+            </a:xfrm>
+            <a:prstGeom prst="rect">
+              <a:avLst/>
+            </a:prstGeom>
+          </p:spPr>
+          <p:txBody>
+            <a:bodyPr wrap="square">
+              <a:spAutoFit/>
+            </a:bodyPr>
+            <a:lstStyle/>
+            <a:p>
+              <a:pPr algn="r"/>
+              <a:r>
+                <a:rPr lang="en-GB" dirty="0">
+                  <a:solidFill>
+                    <a:srgbClr val="FF0000"/>
+                  </a:solidFill>
+                </a:rPr>
+                <a:t>Personal</a:t>
+              </a:r>
+            </a:p>
+          </p:txBody>
+        </p:sp>
+      </p:grpSp>
+      <p:grpSp>
+        <p:nvGrpSpPr>
+          <p:cNvPr id="70" name="Gruppieren 69"/>
+          <p:cNvGrpSpPr/>
+          <p:nvPr/>
+        </p:nvGrpSpPr>
+        <p:grpSpPr>
+          <a:xfrm>
+            <a:off x="7685968" y="1125261"/>
+            <a:ext cx="2295570" cy="960517"/>
+            <a:chOff x="5096595" y="2020905"/>
+            <a:chExt cx="1990688" cy="960517"/>
+          </a:xfrm>
+        </p:grpSpPr>
+        <p:grpSp>
+          <p:nvGrpSpPr>
+            <p:cNvPr id="71" name="Gruppieren 70"/>
+            <p:cNvGrpSpPr/>
+            <p:nvPr/>
+          </p:nvGrpSpPr>
+          <p:grpSpPr>
+            <a:xfrm>
+              <a:off x="5096595" y="2020905"/>
+              <a:ext cx="1986844" cy="960517"/>
+              <a:chOff x="3093156" y="1613350"/>
+              <a:chExt cx="1986844" cy="960517"/>
+            </a:xfrm>
+          </p:grpSpPr>
+          <p:sp>
+            <p:nvSpPr>
+              <p:cNvPr id="74" name="Rechteck 73"/>
+              <p:cNvSpPr/>
+              <p:nvPr/>
+            </p:nvSpPr>
+            <p:spPr>
+              <a:xfrm>
+                <a:off x="3093156" y="1613350"/>
+                <a:ext cx="1986844" cy="960517"/>
+              </a:xfrm>
+              <a:prstGeom prst="rect">
+                <a:avLst/>
+              </a:prstGeom>
+              <a:noFill/>
+              <a:ln w="25400">
+                <a:solidFill>
+                  <a:schemeClr val="tx1">
+                    <a:lumMod val="65000"/>
+                    <a:lumOff val="35000"/>
+                  </a:schemeClr>
+                </a:solidFill>
+              </a:ln>
+            </p:spPr>
+            <p:style>
+              <a:lnRef idx="2">
+                <a:schemeClr val="accent1">
+                  <a:shade val="50000"/>
+                </a:schemeClr>
+              </a:lnRef>
+              <a:fillRef idx="1">
+                <a:schemeClr val="accent1"/>
+              </a:fillRef>
+              <a:effectRef idx="0">
+                <a:schemeClr val="accent1"/>
+              </a:effectRef>
+              <a:fontRef idx="minor">
+                <a:schemeClr val="lt1"/>
+              </a:fontRef>
+            </p:style>
+            <p:txBody>
+              <a:bodyPr rtlCol="0" anchor="ctr"/>
+              <a:lstStyle/>
+              <a:p>
+                <a:pPr algn="ctr"/>
+                <a:endParaRPr lang="en-GB"/>
+              </a:p>
+            </p:txBody>
+          </p:sp>
+          <p:pic>
+            <p:nvPicPr>
+              <p:cNvPr id="75" name="Grafik 74"/>
+              <p:cNvPicPr>
+                <a:picLocks noChangeAspect="1"/>
+              </p:cNvPicPr>
+              <p:nvPr/>
+            </p:nvPicPr>
+            <p:blipFill>
+              <a:blip r:embed="rId2"/>
+              <a:stretch>
+                <a:fillRect/>
+              </a:stretch>
+            </p:blipFill>
+            <p:spPr>
+              <a:xfrm>
+                <a:off x="4772335" y="1639921"/>
+                <a:ext cx="271896" cy="340689"/>
+              </a:xfrm>
+              <a:prstGeom prst="rect">
+                <a:avLst/>
+              </a:prstGeom>
+            </p:spPr>
+          </p:pic>
+        </p:grpSp>
+        <p:sp>
+          <p:nvSpPr>
+            <p:cNvPr id="72" name="Textfeld 71"/>
+            <p:cNvSpPr txBox="1"/>
+            <p:nvPr/>
+          </p:nvSpPr>
+          <p:spPr>
+            <a:xfrm>
+              <a:off x="5096595" y="2030914"/>
+              <a:ext cx="1986844" cy="369332"/>
+            </a:xfrm>
+            <a:prstGeom prst="rect">
+              <a:avLst/>
+            </a:prstGeom>
+            <a:noFill/>
+          </p:spPr>
+          <p:txBody>
+            <a:bodyPr wrap="square" rtlCol="0">
+              <a:spAutoFit/>
+            </a:bodyPr>
+            <a:lstStyle/>
+            <a:p>
+              <a:r>
+                <a:rPr lang="en-GB" b="1" u="sng" dirty="0" err="1"/>
+                <a:t>MarketingAnalysis</a:t>
+              </a:r>
+              <a:endParaRPr lang="en-GB" b="1" u="sng" dirty="0"/>
+            </a:p>
+          </p:txBody>
+        </p:sp>
+        <p:sp>
+          <p:nvSpPr>
+            <p:cNvPr id="73" name="Rechteck 72"/>
+            <p:cNvSpPr/>
+            <p:nvPr/>
+          </p:nvSpPr>
+          <p:spPr>
+            <a:xfrm>
+              <a:off x="5106668" y="2606541"/>
+              <a:ext cx="1980615" cy="369332"/>
+            </a:xfrm>
+            <a:prstGeom prst="rect">
+              <a:avLst/>
+            </a:prstGeom>
+          </p:spPr>
+          <p:txBody>
+            <a:bodyPr wrap="square">
+              <a:spAutoFit/>
+            </a:bodyPr>
+            <a:lstStyle/>
+            <a:p>
+              <a:pPr algn="r"/>
+              <a:r>
+                <a:rPr lang="en-GB" dirty="0">
+                  <a:solidFill>
+                    <a:srgbClr val="FF0000"/>
+                  </a:solidFill>
+                </a:rPr>
+                <a:t>Personal</a:t>
+              </a:r>
+              <a:endParaRPr lang="en-GB" dirty="0">
+                <a:solidFill>
+                  <a:schemeClr val="accent2"/>
+                </a:solidFill>
+              </a:endParaRPr>
+            </a:p>
+          </p:txBody>
+        </p:sp>
+      </p:grpSp>
+      <p:grpSp>
+        <p:nvGrpSpPr>
+          <p:cNvPr id="76" name="Gruppieren 75"/>
+          <p:cNvGrpSpPr/>
+          <p:nvPr/>
+        </p:nvGrpSpPr>
+        <p:grpSpPr>
+          <a:xfrm>
+            <a:off x="7697584" y="4714201"/>
+            <a:ext cx="2295570" cy="960517"/>
+            <a:chOff x="5096595" y="2020905"/>
+            <a:chExt cx="1990688" cy="960517"/>
+          </a:xfrm>
+        </p:grpSpPr>
+        <p:grpSp>
+          <p:nvGrpSpPr>
+            <p:cNvPr id="77" name="Gruppieren 76"/>
+            <p:cNvGrpSpPr/>
+            <p:nvPr/>
+          </p:nvGrpSpPr>
+          <p:grpSpPr>
+            <a:xfrm>
+              <a:off x="5096595" y="2020905"/>
+              <a:ext cx="1986844" cy="960517"/>
+              <a:chOff x="3093156" y="1613350"/>
+              <a:chExt cx="1986844" cy="960517"/>
+            </a:xfrm>
+          </p:grpSpPr>
+          <p:sp>
+            <p:nvSpPr>
+              <p:cNvPr id="87" name="Rechteck 86"/>
+              <p:cNvSpPr/>
+              <p:nvPr/>
+            </p:nvSpPr>
+            <p:spPr>
+              <a:xfrm>
+                <a:off x="3093156" y="1613350"/>
+                <a:ext cx="1986844" cy="960517"/>
+              </a:xfrm>
+              <a:prstGeom prst="rect">
+                <a:avLst/>
+              </a:prstGeom>
+              <a:noFill/>
+              <a:ln w="25400">
+                <a:solidFill>
+                  <a:schemeClr val="tx1">
+                    <a:lumMod val="65000"/>
+                    <a:lumOff val="35000"/>
+                  </a:schemeClr>
+                </a:solidFill>
+              </a:ln>
+            </p:spPr>
+            <p:style>
+              <a:lnRef idx="2">
+                <a:schemeClr val="accent1">
+                  <a:shade val="50000"/>
+                </a:schemeClr>
+              </a:lnRef>
+              <a:fillRef idx="1">
+                <a:schemeClr val="accent1"/>
+              </a:fillRef>
+              <a:effectRef idx="0">
+                <a:schemeClr val="accent1"/>
+              </a:effectRef>
+              <a:fontRef idx="minor">
+                <a:schemeClr val="lt1"/>
+              </a:fontRef>
+            </p:style>
+            <p:txBody>
+              <a:bodyPr rtlCol="0" anchor="ctr"/>
+              <a:lstStyle/>
+              <a:p>
+                <a:pPr algn="ctr"/>
+                <a:endParaRPr lang="en-GB"/>
+              </a:p>
+            </p:txBody>
+          </p:sp>
+          <p:pic>
+            <p:nvPicPr>
+              <p:cNvPr id="88" name="Grafik 87"/>
+              <p:cNvPicPr>
+                <a:picLocks noChangeAspect="1"/>
+              </p:cNvPicPr>
+              <p:nvPr/>
+            </p:nvPicPr>
+            <p:blipFill>
+              <a:blip r:embed="rId2"/>
+              <a:stretch>
+                <a:fillRect/>
+              </a:stretch>
+            </p:blipFill>
+            <p:spPr>
+              <a:xfrm>
+                <a:off x="4772335" y="1639921"/>
+                <a:ext cx="271896" cy="340689"/>
+              </a:xfrm>
+              <a:prstGeom prst="rect">
+                <a:avLst/>
+              </a:prstGeom>
+            </p:spPr>
+          </p:pic>
+        </p:grpSp>
+        <p:sp>
+          <p:nvSpPr>
+            <p:cNvPr id="85" name="Textfeld 84"/>
+            <p:cNvSpPr txBox="1"/>
+            <p:nvPr/>
+          </p:nvSpPr>
+          <p:spPr>
+            <a:xfrm>
+              <a:off x="5096595" y="2030914"/>
+              <a:ext cx="1986844" cy="369332"/>
+            </a:xfrm>
+            <a:prstGeom prst="rect">
+              <a:avLst/>
+            </a:prstGeom>
+            <a:noFill/>
+          </p:spPr>
+          <p:txBody>
+            <a:bodyPr wrap="square" rtlCol="0">
+              <a:spAutoFit/>
+            </a:bodyPr>
+            <a:lstStyle/>
+            <a:p>
+              <a:r>
+                <a:rPr lang="en-GB" b="1" u="sng" dirty="0" err="1"/>
+                <a:t>TreatmentAnalysis</a:t>
+              </a:r>
+              <a:endParaRPr lang="en-GB" b="1" u="sng" dirty="0"/>
+            </a:p>
+          </p:txBody>
+        </p:sp>
+        <p:sp>
+          <p:nvSpPr>
+            <p:cNvPr id="86" name="Rechteck 85"/>
+            <p:cNvSpPr/>
+            <p:nvPr/>
+          </p:nvSpPr>
+          <p:spPr>
+            <a:xfrm>
+              <a:off x="5106668" y="2606541"/>
+              <a:ext cx="1980615" cy="369332"/>
+            </a:xfrm>
+            <a:prstGeom prst="rect">
+              <a:avLst/>
+            </a:prstGeom>
+          </p:spPr>
+          <p:txBody>
+            <a:bodyPr wrap="square">
+              <a:spAutoFit/>
+            </a:bodyPr>
+            <a:lstStyle/>
+            <a:p>
+              <a:pPr algn="r"/>
+              <a:r>
+                <a:rPr lang="en-GB" dirty="0">
+                  <a:solidFill>
+                    <a:schemeClr val="accent2"/>
+                  </a:solidFill>
+                </a:rPr>
+                <a:t>Depersonalized</a:t>
+              </a:r>
+              <a:endParaRPr lang="en-GB" dirty="0">
+                <a:solidFill>
+                  <a:srgbClr val="FF0000"/>
+                </a:solidFill>
+              </a:endParaRPr>
+            </a:p>
+          </p:txBody>
+        </p:sp>
+      </p:grpSp>
+      <p:grpSp>
+        <p:nvGrpSpPr>
+          <p:cNvPr id="89" name="Gruppieren 88"/>
+          <p:cNvGrpSpPr/>
+          <p:nvPr/>
+        </p:nvGrpSpPr>
+        <p:grpSpPr>
+          <a:xfrm>
+            <a:off x="4122318" y="4708652"/>
+            <a:ext cx="2278500" cy="960517"/>
+            <a:chOff x="5096595" y="2020905"/>
+            <a:chExt cx="1990688" cy="960517"/>
+          </a:xfrm>
+        </p:grpSpPr>
+        <p:grpSp>
+          <p:nvGrpSpPr>
+            <p:cNvPr id="96" name="Gruppieren 95"/>
+            <p:cNvGrpSpPr/>
+            <p:nvPr/>
+          </p:nvGrpSpPr>
+          <p:grpSpPr>
+            <a:xfrm>
+              <a:off x="5096595" y="2020905"/>
+              <a:ext cx="1986844" cy="960517"/>
+              <a:chOff x="3093156" y="1613350"/>
+              <a:chExt cx="1986844" cy="960517"/>
+            </a:xfrm>
+          </p:grpSpPr>
+          <p:sp>
+            <p:nvSpPr>
+              <p:cNvPr id="99" name="Rechteck 98"/>
+              <p:cNvSpPr/>
+              <p:nvPr/>
+            </p:nvSpPr>
+            <p:spPr>
+              <a:xfrm>
+                <a:off x="3093156" y="1613350"/>
+                <a:ext cx="1986844" cy="960517"/>
+              </a:xfrm>
+              <a:prstGeom prst="rect">
+                <a:avLst/>
+              </a:prstGeom>
+              <a:noFill/>
+              <a:ln w="25400">
+                <a:solidFill>
+                  <a:schemeClr val="tx1">
+                    <a:lumMod val="65000"/>
+                    <a:lumOff val="35000"/>
+                  </a:schemeClr>
+                </a:solidFill>
+              </a:ln>
+            </p:spPr>
+            <p:style>
+              <a:lnRef idx="2">
+                <a:schemeClr val="accent1">
+                  <a:shade val="50000"/>
+                </a:schemeClr>
+              </a:lnRef>
+              <a:fillRef idx="1">
+                <a:schemeClr val="accent1"/>
+              </a:fillRef>
+              <a:effectRef idx="0">
+                <a:schemeClr val="accent1"/>
+              </a:effectRef>
+              <a:fontRef idx="minor">
+                <a:schemeClr val="lt1"/>
+              </a:fontRef>
+            </p:style>
+            <p:txBody>
+              <a:bodyPr rtlCol="0" anchor="ctr"/>
+              <a:lstStyle/>
+              <a:p>
+                <a:pPr algn="ctr"/>
+                <a:endParaRPr lang="en-GB"/>
+              </a:p>
+            </p:txBody>
+          </p:sp>
+          <p:pic>
+            <p:nvPicPr>
+              <p:cNvPr id="106" name="Grafik 105"/>
+              <p:cNvPicPr>
+                <a:picLocks noChangeAspect="1"/>
+              </p:cNvPicPr>
+              <p:nvPr/>
+            </p:nvPicPr>
+            <p:blipFill>
+              <a:blip r:embed="rId2"/>
+              <a:stretch>
+                <a:fillRect/>
+              </a:stretch>
+            </p:blipFill>
+            <p:spPr>
+              <a:xfrm>
+                <a:off x="4772335" y="1639921"/>
+                <a:ext cx="271896" cy="340689"/>
+              </a:xfrm>
+              <a:prstGeom prst="rect">
+                <a:avLst/>
+              </a:prstGeom>
+            </p:spPr>
+          </p:pic>
+        </p:grpSp>
+        <p:sp>
+          <p:nvSpPr>
+            <p:cNvPr id="97" name="Textfeld 96"/>
+            <p:cNvSpPr txBox="1"/>
+            <p:nvPr/>
+          </p:nvSpPr>
+          <p:spPr>
+            <a:xfrm>
+              <a:off x="5096595" y="2030914"/>
+              <a:ext cx="1986844" cy="369332"/>
+            </a:xfrm>
+            <a:prstGeom prst="rect">
+              <a:avLst/>
+            </a:prstGeom>
+            <a:noFill/>
+          </p:spPr>
+          <p:txBody>
+            <a:bodyPr wrap="square" rtlCol="0">
+              <a:spAutoFit/>
+            </a:bodyPr>
+            <a:lstStyle/>
+            <a:p>
+              <a:r>
+                <a:rPr lang="en-GB" b="1" u="sng" dirty="0" err="1"/>
+                <a:t>CourseAnalysis</a:t>
+              </a:r>
+              <a:endParaRPr lang="en-GB" b="1" u="sng" dirty="0"/>
+            </a:p>
+          </p:txBody>
+        </p:sp>
+        <p:sp>
+          <p:nvSpPr>
+            <p:cNvPr id="98" name="Rechteck 97"/>
+            <p:cNvSpPr/>
+            <p:nvPr/>
+          </p:nvSpPr>
+          <p:spPr>
+            <a:xfrm>
+              <a:off x="5106668" y="2606541"/>
+              <a:ext cx="1980615" cy="369332"/>
+            </a:xfrm>
+            <a:prstGeom prst="rect">
+              <a:avLst/>
+            </a:prstGeom>
+          </p:spPr>
+          <p:txBody>
+            <a:bodyPr wrap="square">
+              <a:spAutoFit/>
+            </a:bodyPr>
+            <a:lstStyle/>
+            <a:p>
+              <a:pPr algn="r"/>
+              <a:r>
+                <a:rPr lang="en-GB" dirty="0">
+                  <a:solidFill>
+                    <a:schemeClr val="accent2"/>
+                  </a:solidFill>
+                </a:rPr>
+                <a:t>Depersonalized</a:t>
+              </a:r>
+              <a:endParaRPr lang="en-GB" dirty="0">
+                <a:solidFill>
+                  <a:srgbClr val="FF0000"/>
+                </a:solidFill>
+              </a:endParaRPr>
+            </a:p>
+          </p:txBody>
+        </p:sp>
+      </p:grpSp>
+      <p:grpSp>
+        <p:nvGrpSpPr>
+          <p:cNvPr id="107" name="Gruppieren 106"/>
+          <p:cNvGrpSpPr/>
+          <p:nvPr/>
+        </p:nvGrpSpPr>
+        <p:grpSpPr>
+          <a:xfrm>
+            <a:off x="7685968" y="2835711"/>
+            <a:ext cx="2295570" cy="960517"/>
+            <a:chOff x="5096595" y="2020905"/>
+            <a:chExt cx="1990688" cy="960517"/>
+          </a:xfrm>
+        </p:grpSpPr>
+        <p:grpSp>
+          <p:nvGrpSpPr>
+            <p:cNvPr id="108" name="Gruppieren 107"/>
+            <p:cNvGrpSpPr/>
+            <p:nvPr/>
+          </p:nvGrpSpPr>
+          <p:grpSpPr>
+            <a:xfrm>
+              <a:off x="5096595" y="2020905"/>
+              <a:ext cx="1986844" cy="960517"/>
+              <a:chOff x="3093156" y="1613350"/>
+              <a:chExt cx="1986844" cy="960517"/>
+            </a:xfrm>
+          </p:grpSpPr>
+          <p:sp>
+            <p:nvSpPr>
+              <p:cNvPr id="112" name="Rechteck 111"/>
+              <p:cNvSpPr/>
+              <p:nvPr/>
+            </p:nvSpPr>
+            <p:spPr>
+              <a:xfrm>
+                <a:off x="3093156" y="1613350"/>
+                <a:ext cx="1986844" cy="960517"/>
+              </a:xfrm>
+              <a:prstGeom prst="rect">
+                <a:avLst/>
+              </a:prstGeom>
+              <a:noFill/>
+              <a:ln w="25400">
+                <a:solidFill>
+                  <a:schemeClr val="tx1">
+                    <a:lumMod val="65000"/>
+                    <a:lumOff val="35000"/>
+                  </a:schemeClr>
+                </a:solidFill>
+              </a:ln>
+            </p:spPr>
+            <p:style>
+              <a:lnRef idx="2">
+                <a:schemeClr val="accent1">
+                  <a:shade val="50000"/>
+                </a:schemeClr>
+              </a:lnRef>
+              <a:fillRef idx="1">
+                <a:schemeClr val="accent1"/>
+              </a:fillRef>
+              <a:effectRef idx="0">
+                <a:schemeClr val="accent1"/>
+              </a:effectRef>
+              <a:fontRef idx="minor">
+                <a:schemeClr val="lt1"/>
+              </a:fontRef>
+            </p:style>
+            <p:txBody>
+              <a:bodyPr rtlCol="0" anchor="ctr"/>
+              <a:lstStyle/>
+              <a:p>
+                <a:pPr algn="ctr"/>
+                <a:endParaRPr lang="en-GB"/>
+              </a:p>
+            </p:txBody>
+          </p:sp>
+          <p:pic>
+            <p:nvPicPr>
+              <p:cNvPr id="113" name="Grafik 112"/>
+              <p:cNvPicPr>
+                <a:picLocks noChangeAspect="1"/>
+              </p:cNvPicPr>
+              <p:nvPr/>
+            </p:nvPicPr>
+            <p:blipFill>
+              <a:blip r:embed="rId2"/>
+              <a:stretch>
+                <a:fillRect/>
+              </a:stretch>
+            </p:blipFill>
+            <p:spPr>
+              <a:xfrm>
+                <a:off x="4772335" y="1639921"/>
+                <a:ext cx="271896" cy="340689"/>
+              </a:xfrm>
+              <a:prstGeom prst="rect">
+                <a:avLst/>
+              </a:prstGeom>
+            </p:spPr>
+          </p:pic>
+        </p:grpSp>
+        <p:sp>
+          <p:nvSpPr>
+            <p:cNvPr id="109" name="Textfeld 108"/>
+            <p:cNvSpPr txBox="1"/>
+            <p:nvPr/>
+          </p:nvSpPr>
+          <p:spPr>
+            <a:xfrm>
+              <a:off x="5096595" y="2030914"/>
+              <a:ext cx="1986844" cy="369332"/>
+            </a:xfrm>
+            <a:prstGeom prst="rect">
+              <a:avLst/>
+            </a:prstGeom>
+            <a:noFill/>
+          </p:spPr>
+          <p:txBody>
+            <a:bodyPr wrap="square" rtlCol="0">
+              <a:spAutoFit/>
+            </a:bodyPr>
+            <a:lstStyle/>
+            <a:p>
+              <a:r>
+                <a:rPr lang="en-GB" b="1" u="sng" dirty="0" err="1"/>
+                <a:t>ErrorDetection</a:t>
+              </a:r>
+              <a:endParaRPr lang="en-GB" b="1" u="sng" dirty="0"/>
+            </a:p>
+          </p:txBody>
+        </p:sp>
+        <p:sp>
+          <p:nvSpPr>
+            <p:cNvPr id="110" name="Rechteck 109"/>
+            <p:cNvSpPr/>
+            <p:nvPr/>
+          </p:nvSpPr>
+          <p:spPr>
+            <a:xfrm>
+              <a:off x="5106668" y="2606541"/>
+              <a:ext cx="1980615" cy="369332"/>
+            </a:xfrm>
+            <a:prstGeom prst="rect">
+              <a:avLst/>
+            </a:prstGeom>
+          </p:spPr>
+          <p:txBody>
+            <a:bodyPr wrap="square">
+              <a:spAutoFit/>
+            </a:bodyPr>
+            <a:lstStyle/>
+            <a:p>
+              <a:pPr algn="r"/>
+              <a:r>
+                <a:rPr lang="en-GB" dirty="0">
+                  <a:solidFill>
+                    <a:schemeClr val="accent2"/>
+                  </a:solidFill>
+                </a:rPr>
+                <a:t>Depersonalized</a:t>
+              </a:r>
+              <a:endParaRPr lang="en-GB" dirty="0">
+                <a:solidFill>
+                  <a:srgbClr val="FF0000"/>
+                </a:solidFill>
+              </a:endParaRPr>
+            </a:p>
+          </p:txBody>
+        </p:sp>
+      </p:grpSp>
+      <p:cxnSp>
+        <p:nvCxnSpPr>
+          <p:cNvPr id="114" name="Gerader Verbinder 113"/>
+          <p:cNvCxnSpPr>
+            <a:stCxn id="66" idx="2"/>
+          </p:cNvCxnSpPr>
+          <p:nvPr/>
+        </p:nvCxnSpPr>
+        <p:spPr>
+          <a:xfrm flipH="1">
+            <a:off x="5272646" y="2096261"/>
+            <a:ext cx="1891" cy="739450"/>
+          </a:xfrm>
+          <a:prstGeom prst="line">
+            <a:avLst/>
+          </a:prstGeom>
+          <a:ln w="25400">
+            <a:solidFill>
+              <a:srgbClr val="FF0000"/>
+            </a:solidFill>
+          </a:ln>
+        </p:spPr>
+        <p:style>
+          <a:lnRef idx="1">
+            <a:schemeClr val="accent1"/>
+          </a:lnRef>
+          <a:fillRef idx="0">
+            <a:schemeClr val="accent1"/>
+          </a:fillRef>
+          <a:effectRef idx="0">
+            <a:schemeClr val="accent1"/>
+          </a:effectRef>
+          <a:fontRef idx="minor">
+            <a:schemeClr val="tx1"/>
+          </a:fontRef>
+        </p:style>
+      </p:cxnSp>
+      <p:cxnSp>
+        <p:nvCxnSpPr>
+          <p:cNvPr id="115" name="Gerader Verbinder 114"/>
+          <p:cNvCxnSpPr/>
+          <p:nvPr/>
+        </p:nvCxnSpPr>
+        <p:spPr>
+          <a:xfrm flipV="1">
+            <a:off x="6412370" y="3790680"/>
+            <a:ext cx="1296830" cy="917972"/>
+          </a:xfrm>
+          <a:prstGeom prst="line">
+            <a:avLst/>
+          </a:prstGeom>
+          <a:ln w="25400">
+            <a:solidFill>
+              <a:schemeClr val="accent2"/>
+            </a:solidFill>
+          </a:ln>
+        </p:spPr>
+        <p:style>
+          <a:lnRef idx="1">
+            <a:schemeClr val="accent1"/>
+          </a:lnRef>
+          <a:fillRef idx="0">
+            <a:schemeClr val="accent1"/>
+          </a:fillRef>
+          <a:effectRef idx="0">
+            <a:schemeClr val="accent1"/>
+          </a:effectRef>
+          <a:fontRef idx="minor">
+            <a:schemeClr val="tx1"/>
+          </a:fontRef>
+        </p:style>
+      </p:cxnSp>
+      <p:cxnSp>
+        <p:nvCxnSpPr>
+          <p:cNvPr id="118" name="Gerader Verbinder 117"/>
+          <p:cNvCxnSpPr>
+            <a:stCxn id="99" idx="0"/>
+            <a:endCxn id="13" idx="2"/>
+          </p:cNvCxnSpPr>
+          <p:nvPr/>
+        </p:nvCxnSpPr>
+        <p:spPr>
+          <a:xfrm flipV="1">
+            <a:off x="5259368" y="3801777"/>
+            <a:ext cx="2200" cy="906875"/>
+          </a:xfrm>
+          <a:prstGeom prst="line">
+            <a:avLst/>
+          </a:prstGeom>
+          <a:ln w="25400">
+            <a:solidFill>
+              <a:schemeClr val="accent2"/>
+            </a:solidFill>
+          </a:ln>
+        </p:spPr>
+        <p:style>
+          <a:lnRef idx="1">
+            <a:schemeClr val="accent1"/>
+          </a:lnRef>
+          <a:fillRef idx="0">
+            <a:schemeClr val="accent1"/>
+          </a:fillRef>
+          <a:effectRef idx="0">
+            <a:schemeClr val="accent1"/>
+          </a:effectRef>
+          <a:fontRef idx="minor">
+            <a:schemeClr val="tx1"/>
+          </a:fontRef>
+        </p:style>
+      </p:cxnSp>
+      <p:grpSp>
+        <p:nvGrpSpPr>
+          <p:cNvPr id="142" name="Gruppieren 141"/>
+          <p:cNvGrpSpPr/>
+          <p:nvPr/>
+        </p:nvGrpSpPr>
+        <p:grpSpPr>
+          <a:xfrm>
+            <a:off x="577477" y="4703103"/>
+            <a:ext cx="2278500" cy="960517"/>
+            <a:chOff x="5096595" y="2020905"/>
+            <a:chExt cx="1990688" cy="960517"/>
+          </a:xfrm>
+        </p:grpSpPr>
+        <p:grpSp>
+          <p:nvGrpSpPr>
+            <p:cNvPr id="143" name="Gruppieren 142"/>
+            <p:cNvGrpSpPr/>
+            <p:nvPr/>
+          </p:nvGrpSpPr>
+          <p:grpSpPr>
+            <a:xfrm>
+              <a:off x="5096595" y="2020905"/>
+              <a:ext cx="1986844" cy="960517"/>
+              <a:chOff x="3093156" y="1613350"/>
+              <a:chExt cx="1986844" cy="960517"/>
+            </a:xfrm>
+          </p:grpSpPr>
+          <p:sp>
+            <p:nvSpPr>
+              <p:cNvPr id="146" name="Rechteck 145"/>
+              <p:cNvSpPr/>
+              <p:nvPr/>
+            </p:nvSpPr>
+            <p:spPr>
+              <a:xfrm>
+                <a:off x="3093156" y="1613350"/>
+                <a:ext cx="1986844" cy="960517"/>
+              </a:xfrm>
+              <a:prstGeom prst="rect">
+                <a:avLst/>
+              </a:prstGeom>
+              <a:noFill/>
+              <a:ln w="25400">
+                <a:solidFill>
+                  <a:schemeClr val="tx1">
+                    <a:lumMod val="65000"/>
+                    <a:lumOff val="35000"/>
+                  </a:schemeClr>
+                </a:solidFill>
+              </a:ln>
+            </p:spPr>
+            <p:style>
+              <a:lnRef idx="2">
+                <a:schemeClr val="accent1">
+                  <a:shade val="50000"/>
+                </a:schemeClr>
+              </a:lnRef>
+              <a:fillRef idx="1">
+                <a:schemeClr val="accent1"/>
+              </a:fillRef>
+              <a:effectRef idx="0">
+                <a:schemeClr val="accent1"/>
+              </a:effectRef>
+              <a:fontRef idx="minor">
+                <a:schemeClr val="lt1"/>
+              </a:fontRef>
+            </p:style>
+            <p:txBody>
+              <a:bodyPr rtlCol="0" anchor="ctr"/>
+              <a:lstStyle/>
+              <a:p>
+                <a:pPr algn="ctr"/>
+                <a:endParaRPr lang="en-GB"/>
+              </a:p>
+            </p:txBody>
+          </p:sp>
+          <p:pic>
+            <p:nvPicPr>
+              <p:cNvPr id="147" name="Grafik 146"/>
+              <p:cNvPicPr>
+                <a:picLocks noChangeAspect="1"/>
+              </p:cNvPicPr>
+              <p:nvPr/>
+            </p:nvPicPr>
+            <p:blipFill>
+              <a:blip r:embed="rId2"/>
+              <a:stretch>
+                <a:fillRect/>
+              </a:stretch>
+            </p:blipFill>
+            <p:spPr>
+              <a:xfrm>
+                <a:off x="4772335" y="1639921"/>
+                <a:ext cx="271896" cy="340689"/>
+              </a:xfrm>
+              <a:prstGeom prst="rect">
+                <a:avLst/>
+              </a:prstGeom>
+            </p:spPr>
+          </p:pic>
+        </p:grpSp>
+        <p:sp>
+          <p:nvSpPr>
+            <p:cNvPr id="144" name="Textfeld 143"/>
+            <p:cNvSpPr txBox="1"/>
+            <p:nvPr/>
+          </p:nvSpPr>
+          <p:spPr>
+            <a:xfrm>
+              <a:off x="5096595" y="2030914"/>
+              <a:ext cx="1986844" cy="369332"/>
+            </a:xfrm>
+            <a:prstGeom prst="rect">
+              <a:avLst/>
+            </a:prstGeom>
+            <a:noFill/>
+          </p:spPr>
+          <p:txBody>
+            <a:bodyPr wrap="square" rtlCol="0">
+              <a:spAutoFit/>
+            </a:bodyPr>
+            <a:lstStyle/>
+            <a:p>
+              <a:r>
+                <a:rPr lang="en-GB" b="1" u="sng" dirty="0" err="1"/>
+                <a:t>GovStatistics</a:t>
+              </a:r>
+              <a:endParaRPr lang="en-GB" b="1" u="sng" dirty="0"/>
+            </a:p>
+          </p:txBody>
+        </p:sp>
+        <p:sp>
+          <p:nvSpPr>
+            <p:cNvPr id="145" name="Rechteck 144"/>
+            <p:cNvSpPr/>
+            <p:nvPr/>
+          </p:nvSpPr>
+          <p:spPr>
+            <a:xfrm>
+              <a:off x="5106668" y="2606541"/>
+              <a:ext cx="1980615" cy="369332"/>
+            </a:xfrm>
+            <a:prstGeom prst="rect">
+              <a:avLst/>
+            </a:prstGeom>
+          </p:spPr>
+          <p:txBody>
+            <a:bodyPr wrap="square">
+              <a:spAutoFit/>
+            </a:bodyPr>
+            <a:lstStyle/>
+            <a:p>
+              <a:pPr algn="r"/>
+              <a:r>
+                <a:rPr lang="en-GB" dirty="0">
+                  <a:solidFill>
+                    <a:schemeClr val="accent2"/>
+                  </a:solidFill>
+                </a:rPr>
+                <a:t>Depersonalized</a:t>
+              </a:r>
+              <a:endParaRPr lang="en-GB" dirty="0">
+                <a:solidFill>
+                  <a:srgbClr val="FF0000"/>
+                </a:solidFill>
+              </a:endParaRPr>
+            </a:p>
+          </p:txBody>
+        </p:sp>
+      </p:grpSp>
+      <p:sp>
+        <p:nvSpPr>
+          <p:cNvPr id="83" name="Rechteck 82"/>
+          <p:cNvSpPr/>
+          <p:nvPr/>
+        </p:nvSpPr>
+        <p:spPr>
+          <a:xfrm>
+            <a:off x="317661" y="884675"/>
+            <a:ext cx="6257586" cy="3104347"/>
+          </a:xfrm>
+          <a:prstGeom prst="rect">
+            <a:avLst/>
+          </a:prstGeom>
+          <a:noFill/>
+          <a:ln w="63500">
+            <a:solidFill>
+              <a:schemeClr val="bg1">
+                <a:lumMod val="50000"/>
+              </a:schemeClr>
+            </a:solidFill>
+          </a:ln>
+        </p:spPr>
+        <p:style>
+          <a:lnRef idx="2">
+            <a:schemeClr val="accent5"/>
+          </a:lnRef>
+          <a:fillRef idx="1">
+            <a:schemeClr val="lt1"/>
+          </a:fillRef>
+          <a:effectRef idx="0">
+            <a:schemeClr val="accent5"/>
+          </a:effectRef>
+          <a:fontRef idx="minor">
+            <a:schemeClr val="dk1"/>
+          </a:fontRef>
+        </p:style>
+        <p:txBody>
+          <a:bodyPr rtlCol="0" anchor="ctr"/>
+          <a:lstStyle/>
+          <a:p>
+            <a:pPr algn="ctr"/>
+            <a:endParaRPr lang="en-GB"/>
+          </a:p>
+        </p:txBody>
+      </p:sp>
+      <p:sp>
+        <p:nvSpPr>
+          <p:cNvPr id="84" name="Rechteck 83"/>
+          <p:cNvSpPr/>
+          <p:nvPr/>
+        </p:nvSpPr>
+        <p:spPr>
+          <a:xfrm>
+            <a:off x="317661" y="4442709"/>
+            <a:ext cx="6257586" cy="1967421"/>
+          </a:xfrm>
+          <a:prstGeom prst="rect">
+            <a:avLst/>
+          </a:prstGeom>
+          <a:noFill/>
+          <a:ln w="63500">
+            <a:solidFill>
+              <a:schemeClr val="bg1">
+                <a:lumMod val="50000"/>
+              </a:schemeClr>
+            </a:solidFill>
+          </a:ln>
+        </p:spPr>
+        <p:style>
+          <a:lnRef idx="2">
+            <a:schemeClr val="accent5"/>
+          </a:lnRef>
+          <a:fillRef idx="1">
+            <a:schemeClr val="lt1"/>
+          </a:fillRef>
+          <a:effectRef idx="0">
+            <a:schemeClr val="accent5"/>
+          </a:effectRef>
+          <a:fontRef idx="minor">
+            <a:schemeClr val="dk1"/>
+          </a:fontRef>
+        </p:style>
+        <p:txBody>
+          <a:bodyPr rtlCol="0" anchor="ctr"/>
+          <a:lstStyle/>
+          <a:p>
+            <a:pPr algn="ctr"/>
+            <a:endParaRPr lang="en-GB"/>
+          </a:p>
+        </p:txBody>
+      </p:sp>
+      <p:sp>
+        <p:nvSpPr>
+          <p:cNvPr id="90" name="Rechteck 89"/>
+          <p:cNvSpPr/>
+          <p:nvPr/>
+        </p:nvSpPr>
+        <p:spPr>
+          <a:xfrm flipH="1">
+            <a:off x="7481689" y="2576518"/>
+            <a:ext cx="4321533" cy="3833612"/>
+          </a:xfrm>
+          <a:prstGeom prst="rect">
+            <a:avLst/>
+          </a:prstGeom>
+          <a:noFill/>
+          <a:ln w="63500">
+            <a:solidFill>
+              <a:schemeClr val="bg1">
+                <a:lumMod val="50000"/>
+              </a:schemeClr>
+            </a:solidFill>
+          </a:ln>
+        </p:spPr>
+        <p:style>
+          <a:lnRef idx="2">
+            <a:schemeClr val="accent5"/>
+          </a:lnRef>
+          <a:fillRef idx="1">
+            <a:schemeClr val="lt1"/>
+          </a:fillRef>
+          <a:effectRef idx="0">
+            <a:schemeClr val="accent5"/>
+          </a:effectRef>
+          <a:fontRef idx="minor">
+            <a:schemeClr val="dk1"/>
+          </a:fontRef>
+        </p:style>
+        <p:txBody>
+          <a:bodyPr rtlCol="0" anchor="ctr"/>
+          <a:lstStyle/>
+          <a:p>
+            <a:pPr algn="ctr"/>
+            <a:endParaRPr lang="en-GB"/>
+          </a:p>
+        </p:txBody>
+      </p:sp>
+      <p:sp>
+        <p:nvSpPr>
+          <p:cNvPr id="92" name="Rechteck 91"/>
+          <p:cNvSpPr/>
+          <p:nvPr/>
+        </p:nvSpPr>
+        <p:spPr>
+          <a:xfrm flipH="1">
+            <a:off x="7472380" y="884675"/>
+            <a:ext cx="4330843" cy="1480787"/>
+          </a:xfrm>
+          <a:prstGeom prst="rect">
+            <a:avLst/>
+          </a:prstGeom>
+          <a:noFill/>
+          <a:ln w="63500">
+            <a:solidFill>
+              <a:srgbClr val="C00000"/>
+            </a:solidFill>
+          </a:ln>
+        </p:spPr>
+        <p:style>
+          <a:lnRef idx="2">
+            <a:schemeClr val="accent5"/>
+          </a:lnRef>
+          <a:fillRef idx="1">
+            <a:schemeClr val="lt1"/>
+          </a:fillRef>
+          <a:effectRef idx="0">
+            <a:schemeClr val="accent5"/>
+          </a:effectRef>
+          <a:fontRef idx="minor">
+            <a:schemeClr val="dk1"/>
+          </a:fontRef>
+        </p:style>
+        <p:txBody>
+          <a:bodyPr rtlCol="0" anchor="ctr"/>
+          <a:lstStyle/>
+          <a:p>
+            <a:pPr algn="ctr"/>
+            <a:endParaRPr lang="en-GB"/>
+          </a:p>
+        </p:txBody>
+      </p:sp>
+      <p:sp>
+        <p:nvSpPr>
+          <p:cNvPr id="93" name="Textfeld 92"/>
+          <p:cNvSpPr txBox="1"/>
+          <p:nvPr/>
+        </p:nvSpPr>
+        <p:spPr>
+          <a:xfrm>
+            <a:off x="313228" y="912708"/>
+            <a:ext cx="2252191" cy="646331"/>
+          </a:xfrm>
+          <a:prstGeom prst="rect">
+            <a:avLst/>
+          </a:prstGeom>
+          <a:noFill/>
+        </p:spPr>
+        <p:txBody>
+          <a:bodyPr wrap="square" rtlCol="0">
+            <a:spAutoFit/>
+          </a:bodyPr>
+          <a:lstStyle/>
+          <a:p>
+            <a:r>
+              <a:rPr lang="en-GB" b="1" u="sng" dirty="0"/>
+              <a:t>Server1</a:t>
+            </a:r>
+          </a:p>
+          <a:p>
+            <a:r>
+              <a:rPr lang="en-GB" dirty="0"/>
+              <a:t>Location: GER</a:t>
+            </a:r>
+          </a:p>
+        </p:txBody>
+      </p:sp>
+      <p:sp>
+        <p:nvSpPr>
+          <p:cNvPr id="94" name="Textfeld 93"/>
+          <p:cNvSpPr txBox="1"/>
+          <p:nvPr/>
+        </p:nvSpPr>
+        <p:spPr>
+          <a:xfrm>
+            <a:off x="9551031" y="912705"/>
+            <a:ext cx="2252191" cy="646331"/>
+          </a:xfrm>
+          <a:prstGeom prst="rect">
+            <a:avLst/>
+          </a:prstGeom>
+          <a:noFill/>
+        </p:spPr>
+        <p:txBody>
+          <a:bodyPr wrap="square" rtlCol="0">
+            <a:spAutoFit/>
+          </a:bodyPr>
+          <a:lstStyle/>
+          <a:p>
+            <a:pPr algn="r"/>
+            <a:r>
+              <a:rPr lang="en-GB" b="1" u="sng" dirty="0"/>
+              <a:t>Server4</a:t>
+            </a:r>
+          </a:p>
+          <a:p>
+            <a:pPr algn="r"/>
+            <a:r>
+              <a:rPr lang="en-GB" dirty="0"/>
+              <a:t>Location: GBR</a:t>
+            </a:r>
+          </a:p>
+        </p:txBody>
+      </p:sp>
+      <p:sp>
+        <p:nvSpPr>
+          <p:cNvPr id="95" name="Textfeld 94"/>
+          <p:cNvSpPr txBox="1"/>
+          <p:nvPr/>
+        </p:nvSpPr>
+        <p:spPr>
+          <a:xfrm>
+            <a:off x="313228" y="5722566"/>
+            <a:ext cx="2252191" cy="646331"/>
+          </a:xfrm>
+          <a:prstGeom prst="rect">
+            <a:avLst/>
+          </a:prstGeom>
+          <a:noFill/>
+        </p:spPr>
+        <p:txBody>
+          <a:bodyPr wrap="square" rtlCol="0">
+            <a:spAutoFit/>
+          </a:bodyPr>
+          <a:lstStyle/>
+          <a:p>
+            <a:r>
+              <a:rPr lang="en-GB" b="1" u="sng" dirty="0"/>
+              <a:t>Server2</a:t>
+            </a:r>
+          </a:p>
+          <a:p>
+            <a:r>
+              <a:rPr lang="en-GB" dirty="0"/>
+              <a:t>Location: ITA</a:t>
+            </a:r>
+          </a:p>
+        </p:txBody>
+      </p:sp>
+      <p:sp>
+        <p:nvSpPr>
+          <p:cNvPr id="101" name="Textfeld 100"/>
+          <p:cNvSpPr txBox="1"/>
+          <p:nvPr/>
+        </p:nvSpPr>
+        <p:spPr>
+          <a:xfrm>
+            <a:off x="9551030" y="5758505"/>
+            <a:ext cx="2252191" cy="646331"/>
+          </a:xfrm>
+          <a:prstGeom prst="rect">
+            <a:avLst/>
+          </a:prstGeom>
+          <a:noFill/>
+        </p:spPr>
+        <p:txBody>
+          <a:bodyPr wrap="square" rtlCol="0">
+            <a:spAutoFit/>
+          </a:bodyPr>
+          <a:lstStyle/>
+          <a:p>
+            <a:pPr algn="r"/>
+            <a:r>
+              <a:rPr lang="en-GB" b="1" u="sng" dirty="0"/>
+              <a:t>Server3</a:t>
+            </a:r>
+          </a:p>
+          <a:p>
+            <a:pPr algn="r"/>
+            <a:r>
+              <a:rPr lang="en-GB" dirty="0"/>
+              <a:t>Location: UKR</a:t>
+            </a:r>
+          </a:p>
+        </p:txBody>
+      </p:sp>
+    </p:spTree>
+    <p:extLst>
+      <p:ext uri="{BB962C8B-B14F-4D97-AF65-F5344CB8AC3E}">
+        <p14:creationId xmlns:p14="http://schemas.microsoft.com/office/powerpoint/2010/main" val="1239788535"/>
       </p:ext>
     </p:extLst>
   </p:cSld>
